--- a/Slides/01_CourseIntroduction.pptx
+++ b/Slides/01_CourseIntroduction.pptx
@@ -204,7 +204,7 @@
           <a:p>
             <a:fld id="{6BB217F5-9596-4525-9113-EE9E789B01B1}" type="datetimeFigureOut">
               <a:rPr lang="en-US" smtClean="0"/>
-              <a:t>1/27/2018</a:t>
+              <a:t>4/28/2018</a:t>
             </a:fld>
             <a:endParaRPr lang="en-US"/>
           </a:p>
@@ -1095,27 +1095,11 @@
             </a:pPr>
             <a:r>
               <a:rPr lang="en-US" baseline="0" dirty="0" smtClean="0"/>
-              <a:t>A Logols Slack Channel is available for people to join and discuss.</a:t>
-            </a:r>
-          </a:p>
-          <a:p>
-            <a:pPr marL="171450" indent="-171450">
-              <a:buFont typeface="Arial" panose="020B0604020202020204" pitchFamily="34" charset="0"/>
-              <a:buChar char="•"/>
-            </a:pPr>
+              <a:t>A </a:t>
+            </a:r>
             <a:r>
               <a:rPr lang="en-US" baseline="0" dirty="0" smtClean="0"/>
-              <a:t>A Logols Discord Channel is available for current and former Logols members to discuss.</a:t>
-            </a:r>
-          </a:p>
-          <a:p>
-            <a:pPr marL="171450" indent="-171450">
-              <a:buFont typeface="Arial" panose="020B0604020202020204" pitchFamily="34" charset="0"/>
-              <a:buChar char="•"/>
-            </a:pPr>
-            <a:r>
-              <a:rPr lang="en-US" baseline="0" dirty="0" smtClean="0"/>
-              <a:t>A Logols group is available on Facebook to stay in touch after the Bootcamp is over.</a:t>
+              <a:t>Logols group is available on Facebook to stay in touch after the Bootcamp is over.</a:t>
             </a:r>
           </a:p>
           <a:p>
@@ -1375,7 +1359,7 @@
               <a:buChar char="•"/>
             </a:pPr>
             <a:r>
-              <a:rPr lang="en-US" baseline="0" dirty="0" smtClean="0"/>
+              <a:rPr lang="en-US" sz="1200" baseline="0" dirty="0" smtClean="0"/>
               <a:t>Here are some examples of using new within the CLI to create new projects.</a:t>
             </a:r>
           </a:p>
@@ -1385,7 +1369,7 @@
               <a:buChar char="•"/>
             </a:pPr>
             <a:r>
-              <a:rPr lang="en-US" sz="2800" dirty="0" smtClean="0"/>
+              <a:rPr lang="en-US" sz="1200" dirty="0" smtClean="0"/>
               <a:t>Console project:</a:t>
             </a:r>
           </a:p>
@@ -1395,11 +1379,11 @@
               <a:buChar char="•"/>
             </a:pPr>
             <a:r>
-              <a:rPr lang="en-US" sz="2600" dirty="0" err="1" smtClean="0"/>
+              <a:rPr lang="en-US" sz="1200" dirty="0" err="1" smtClean="0"/>
               <a:t>dotnet</a:t>
             </a:r>
             <a:r>
-              <a:rPr lang="en-US" sz="2600" dirty="0" smtClean="0"/>
+              <a:rPr lang="en-US" sz="1200" dirty="0" smtClean="0"/>
               <a:t> new console</a:t>
             </a:r>
           </a:p>
@@ -1409,7 +1393,7 @@
               <a:buChar char="•"/>
             </a:pPr>
             <a:r>
-              <a:rPr lang="en-US" sz="2800" dirty="0" smtClean="0"/>
+              <a:rPr lang="en-US" sz="1200" dirty="0" smtClean="0"/>
               <a:t>Class Library project:</a:t>
             </a:r>
           </a:p>
@@ -1419,18 +1403,18 @@
               <a:buChar char="•"/>
             </a:pPr>
             <a:r>
-              <a:rPr lang="en-US" sz="2600" dirty="0" err="1" smtClean="0"/>
+              <a:rPr lang="en-US" sz="1200" dirty="0" err="1" smtClean="0"/>
               <a:t>dotnet</a:t>
             </a:r>
             <a:r>
-              <a:rPr lang="en-US" sz="2600" dirty="0" smtClean="0"/>
+              <a:rPr lang="en-US" sz="1200" dirty="0" smtClean="0"/>
               <a:t> new </a:t>
             </a:r>
             <a:r>
-              <a:rPr lang="en-US" sz="2600" dirty="0" err="1" smtClean="0"/>
+              <a:rPr lang="en-US" sz="1200" dirty="0" err="1" smtClean="0"/>
               <a:t>classlib</a:t>
             </a:r>
-            <a:endParaRPr lang="en-US" sz="2600" dirty="0" smtClean="0"/>
+            <a:endParaRPr lang="en-US" sz="1200" dirty="0" smtClean="0"/>
           </a:p>
           <a:p>
             <a:pPr marL="171450" lvl="0" indent="-171450">
@@ -1438,7 +1422,7 @@
               <a:buChar char="•"/>
             </a:pPr>
             <a:r>
-              <a:rPr lang="en-US" sz="2800" dirty="0" smtClean="0"/>
+              <a:rPr lang="en-US" sz="1200" dirty="0" smtClean="0"/>
               <a:t>Web API project:</a:t>
             </a:r>
           </a:p>
@@ -1448,18 +1432,18 @@
               <a:buChar char="•"/>
             </a:pPr>
             <a:r>
-              <a:rPr lang="en-US" sz="2600" dirty="0" err="1" smtClean="0"/>
+              <a:rPr lang="en-US" sz="1200" dirty="0" err="1" smtClean="0"/>
               <a:t>dotnet</a:t>
             </a:r>
             <a:r>
-              <a:rPr lang="en-US" sz="2600" dirty="0" smtClean="0"/>
+              <a:rPr lang="en-US" sz="1200" dirty="0" smtClean="0"/>
               <a:t> new </a:t>
             </a:r>
             <a:r>
-              <a:rPr lang="en-US" sz="2600" dirty="0" err="1" smtClean="0"/>
+              <a:rPr lang="en-US" sz="1200" dirty="0" err="1" smtClean="0"/>
               <a:t>webapi</a:t>
             </a:r>
-            <a:endParaRPr lang="en-US" sz="2600" dirty="0" smtClean="0"/>
+            <a:endParaRPr lang="en-US" sz="1200" dirty="0" smtClean="0"/>
           </a:p>
           <a:p>
             <a:pPr marL="171450" lvl="0" indent="-171450">
@@ -1467,14 +1451,14 @@
               <a:buChar char="•"/>
             </a:pPr>
             <a:r>
-              <a:rPr lang="en-US" sz="2600" dirty="0" smtClean="0"/>
+              <a:rPr lang="en-US" sz="1200" dirty="0" smtClean="0"/>
               <a:t>A</a:t>
             </a:r>
             <a:r>
-              <a:rPr lang="en-US" sz="2600" baseline="0" dirty="0" smtClean="0"/>
+              <a:rPr lang="en-US" sz="1200" baseline="0" dirty="0" smtClean="0"/>
               <a:t> full reference is available here:  https://docs.microsoft.com/en-us/dotnet/core/tools/dotnet-new?tabs=netcore2x</a:t>
             </a:r>
-            <a:endParaRPr lang="en-US" sz="2600" dirty="0" smtClean="0"/>
+            <a:endParaRPr lang="en-US" sz="1200" dirty="0" smtClean="0"/>
           </a:p>
           <a:p>
             <a:pPr marL="171450" indent="-171450">
@@ -1812,7 +1796,7 @@
           <a:p>
             <a:fld id="{96FB5D56-0812-4ED5-8B52-3D0DCBF578CB}" type="datetimeFigureOut">
               <a:rPr lang="en-US" smtClean="0"/>
-              <a:t>1/27/2018</a:t>
+              <a:t>4/28/2018</a:t>
             </a:fld>
             <a:endParaRPr lang="en-US"/>
           </a:p>
@@ -2087,7 +2071,7 @@
           <a:p>
             <a:fld id="{96FB5D56-0812-4ED5-8B52-3D0DCBF578CB}" type="datetimeFigureOut">
               <a:rPr lang="en-US" smtClean="0"/>
-              <a:t>1/27/2018</a:t>
+              <a:t>4/28/2018</a:t>
             </a:fld>
             <a:endParaRPr lang="en-US"/>
           </a:p>
@@ -2281,7 +2265,7 @@
           <a:p>
             <a:fld id="{96FB5D56-0812-4ED5-8B52-3D0DCBF578CB}" type="datetimeFigureOut">
               <a:rPr lang="en-US" smtClean="0"/>
-              <a:t>1/27/2018</a:t>
+              <a:t>4/28/2018</a:t>
             </a:fld>
             <a:endParaRPr lang="en-US"/>
           </a:p>
@@ -2554,7 +2538,7 @@
           <a:p>
             <a:fld id="{96FB5D56-0812-4ED5-8B52-3D0DCBF578CB}" type="datetimeFigureOut">
               <a:rPr lang="en-US" smtClean="0"/>
-              <a:t>1/27/2018</a:t>
+              <a:t>4/28/2018</a:t>
             </a:fld>
             <a:endParaRPr lang="en-US"/>
           </a:p>
@@ -2895,7 +2879,7 @@
           <a:p>
             <a:fld id="{96FB5D56-0812-4ED5-8B52-3D0DCBF578CB}" type="datetimeFigureOut">
               <a:rPr lang="en-US" smtClean="0"/>
-              <a:t>1/27/2018</a:t>
+              <a:t>4/28/2018</a:t>
             </a:fld>
             <a:endParaRPr lang="en-US"/>
           </a:p>
@@ -3518,7 +3502,7 @@
           <a:p>
             <a:fld id="{96FB5D56-0812-4ED5-8B52-3D0DCBF578CB}" type="datetimeFigureOut">
               <a:rPr lang="en-US" smtClean="0"/>
-              <a:t>1/27/2018</a:t>
+              <a:t>4/28/2018</a:t>
             </a:fld>
             <a:endParaRPr lang="en-US"/>
           </a:p>
@@ -4378,7 +4362,7 @@
           <a:p>
             <a:fld id="{96FB5D56-0812-4ED5-8B52-3D0DCBF578CB}" type="datetimeFigureOut">
               <a:rPr lang="en-US" smtClean="0"/>
-              <a:t>1/27/2018</a:t>
+              <a:t>4/28/2018</a:t>
             </a:fld>
             <a:endParaRPr lang="en-US"/>
           </a:p>
@@ -4548,7 +4532,7 @@
           <a:p>
             <a:fld id="{96FB5D56-0812-4ED5-8B52-3D0DCBF578CB}" type="datetimeFigureOut">
               <a:rPr lang="en-US" smtClean="0"/>
-              <a:t>1/27/2018</a:t>
+              <a:t>4/28/2018</a:t>
             </a:fld>
             <a:endParaRPr lang="en-US"/>
           </a:p>
@@ -4728,7 +4712,7 @@
           <a:p>
             <a:fld id="{96FB5D56-0812-4ED5-8B52-3D0DCBF578CB}" type="datetimeFigureOut">
               <a:rPr lang="en-US" smtClean="0"/>
-              <a:t>1/27/2018</a:t>
+              <a:t>4/28/2018</a:t>
             </a:fld>
             <a:endParaRPr lang="en-US"/>
           </a:p>
@@ -4898,7 +4882,7 @@
           <a:p>
             <a:fld id="{96FB5D56-0812-4ED5-8B52-3D0DCBF578CB}" type="datetimeFigureOut">
               <a:rPr lang="en-US" smtClean="0"/>
-              <a:t>1/27/2018</a:t>
+              <a:t>4/28/2018</a:t>
             </a:fld>
             <a:endParaRPr lang="en-US"/>
           </a:p>
@@ -5145,7 +5129,7 @@
           <a:p>
             <a:fld id="{96FB5D56-0812-4ED5-8B52-3D0DCBF578CB}" type="datetimeFigureOut">
               <a:rPr lang="en-US" smtClean="0"/>
-              <a:t>1/27/2018</a:t>
+              <a:t>4/28/2018</a:t>
             </a:fld>
             <a:endParaRPr lang="en-US"/>
           </a:p>
@@ -5437,7 +5421,7 @@
           <a:p>
             <a:fld id="{96FB5D56-0812-4ED5-8B52-3D0DCBF578CB}" type="datetimeFigureOut">
               <a:rPr lang="en-US" smtClean="0"/>
-              <a:t>1/27/2018</a:t>
+              <a:t>4/28/2018</a:t>
             </a:fld>
             <a:endParaRPr lang="en-US"/>
           </a:p>
@@ -5881,7 +5865,7 @@
           <a:p>
             <a:fld id="{96FB5D56-0812-4ED5-8B52-3D0DCBF578CB}" type="datetimeFigureOut">
               <a:rPr lang="en-US" smtClean="0"/>
-              <a:t>1/27/2018</a:t>
+              <a:t>4/28/2018</a:t>
             </a:fld>
             <a:endParaRPr lang="en-US"/>
           </a:p>
@@ -5999,7 +5983,7 @@
           <a:p>
             <a:fld id="{96FB5D56-0812-4ED5-8B52-3D0DCBF578CB}" type="datetimeFigureOut">
               <a:rPr lang="en-US" smtClean="0"/>
-              <a:t>1/27/2018</a:t>
+              <a:t>4/28/2018</a:t>
             </a:fld>
             <a:endParaRPr lang="en-US"/>
           </a:p>
@@ -6094,7 +6078,7 @@
           <a:p>
             <a:fld id="{96FB5D56-0812-4ED5-8B52-3D0DCBF578CB}" type="datetimeFigureOut">
               <a:rPr lang="en-US" smtClean="0"/>
-              <a:t>1/27/2018</a:t>
+              <a:t>4/28/2018</a:t>
             </a:fld>
             <a:endParaRPr lang="en-US"/>
           </a:p>
@@ -6373,7 +6357,7 @@
           <a:p>
             <a:fld id="{96FB5D56-0812-4ED5-8B52-3D0DCBF578CB}" type="datetimeFigureOut">
               <a:rPr lang="en-US" smtClean="0"/>
-              <a:t>1/27/2018</a:t>
+              <a:t>4/28/2018</a:t>
             </a:fld>
             <a:endParaRPr lang="en-US"/>
           </a:p>
@@ -6648,7 +6632,7 @@
           <a:p>
             <a:fld id="{96FB5D56-0812-4ED5-8B52-3D0DCBF578CB}" type="datetimeFigureOut">
               <a:rPr lang="en-US" smtClean="0"/>
-              <a:t>1/27/2018</a:t>
+              <a:t>4/28/2018</a:t>
             </a:fld>
             <a:endParaRPr lang="en-US"/>
           </a:p>
@@ -7077,7 +7061,7 @@
           <a:p>
             <a:fld id="{96FB5D56-0812-4ED5-8B52-3D0DCBF578CB}" type="datetimeFigureOut">
               <a:rPr lang="en-US" smtClean="0"/>
-              <a:t>1/27/2018</a:t>
+              <a:t>4/28/2018</a:t>
             </a:fld>
             <a:endParaRPr lang="en-US"/>
           </a:p>
@@ -8236,7 +8220,7 @@
         </p:spPr>
         <p:txBody>
           <a:bodyPr>
-            <a:normAutofit fontScale="85000" lnSpcReduction="10000"/>
+            <a:normAutofit lnSpcReduction="10000"/>
           </a:bodyPr>
           <a:lstStyle/>
           <a:p>
@@ -8255,25 +8239,17 @@
           <a:p>
             <a:r>
               <a:rPr lang="en-US" sz="2800" dirty="0" smtClean="0"/>
-              <a:t>Slack</a:t>
-            </a:r>
-          </a:p>
-          <a:p>
-            <a:r>
-              <a:rPr lang="en-US" sz="2800" dirty="0"/>
-              <a:t>Discord</a:t>
+              <a:t>Facebook</a:t>
             </a:r>
           </a:p>
           <a:p>
             <a:r>
               <a:rPr lang="en-US" sz="2800" dirty="0" smtClean="0"/>
-              <a:t>Facebook</a:t>
-            </a:r>
-          </a:p>
-          <a:p>
+              <a:t>Visual </a:t>
+            </a:r>
             <a:r>
               <a:rPr lang="en-US" sz="2800" dirty="0" smtClean="0"/>
-              <a:t>Visual Studio Code</a:t>
+              <a:t>Studio Code</a:t>
             </a:r>
           </a:p>
           <a:p>

--- a/Slides/01_CourseIntroduction.pptx
+++ b/Slides/01_CourseIntroduction.pptx
@@ -5,7 +5,7 @@
     <p:sldMasterId id="2147483738" r:id="rId1"/>
   </p:sldMasterIdLst>
   <p:notesMasterIdLst>
-    <p:notesMasterId r:id="rId10"/>
+    <p:notesMasterId r:id="rId9"/>
   </p:notesMasterIdLst>
   <p:sldIdLst>
     <p:sldId id="256" r:id="rId2"/>
@@ -15,7 +15,6 @@
     <p:sldId id="296" r:id="rId6"/>
     <p:sldId id="297" r:id="rId7"/>
     <p:sldId id="298" r:id="rId8"/>
-    <p:sldId id="263" r:id="rId9"/>
   </p:sldIdLst>
   <p:sldSz cx="12192000" cy="6858000"/>
   <p:notesSz cx="6858000" cy="9144000"/>
@@ -204,7 +203,7 @@
           <a:p>
             <a:fld id="{6BB217F5-9596-4525-9113-EE9E789B01B1}" type="datetimeFigureOut">
               <a:rPr lang="en-US" smtClean="0"/>
-              <a:t>4/28/2018</a:t>
+              <a:t>5/19/2018</a:t>
             </a:fld>
             <a:endParaRPr lang="en-US"/>
           </a:p>
@@ -268,38 +267,37 @@
           <a:p>
             <a:pPr lvl="0"/>
             <a:r>
-              <a:rPr lang="en-US" smtClean="0"/>
+              <a:rPr lang="en-US"/>
               <a:t>Click to edit Master text styles</a:t>
             </a:r>
           </a:p>
           <a:p>
             <a:pPr lvl="1"/>
             <a:r>
-              <a:rPr lang="en-US" smtClean="0"/>
+              <a:rPr lang="en-US"/>
               <a:t>Second level</a:t>
             </a:r>
           </a:p>
           <a:p>
             <a:pPr lvl="2"/>
             <a:r>
-              <a:rPr lang="en-US" smtClean="0"/>
+              <a:rPr lang="en-US"/>
               <a:t>Third level</a:t>
             </a:r>
           </a:p>
           <a:p>
             <a:pPr lvl="3"/>
             <a:r>
-              <a:rPr lang="en-US" smtClean="0"/>
+              <a:rPr lang="en-US"/>
               <a:t>Fourth level</a:t>
             </a:r>
           </a:p>
           <a:p>
             <a:pPr lvl="4"/>
             <a:r>
-              <a:rPr lang="en-US" smtClean="0"/>
+              <a:rPr lang="en-US"/>
               <a:t>Fifth level</a:t>
             </a:r>
-            <a:endParaRPr lang="en-US"/>
           </a:p>
         </p:txBody>
       </p:sp>
@@ -605,7 +603,7 @@
               <a:buChar char="•"/>
             </a:pPr>
             <a:r>
-              <a:rPr lang="en-US" baseline="0" dirty="0" smtClean="0"/>
+              <a:rPr lang="en-US" baseline="0" dirty="0"/>
               <a:t>The program is made up of the following:</a:t>
             </a:r>
           </a:p>
@@ -615,7 +613,7 @@
               <a:buChar char="•"/>
             </a:pPr>
             <a:r>
-              <a:rPr lang="en-US" baseline="0" dirty="0" smtClean="0"/>
+              <a:rPr lang="en-US" baseline="0" dirty="0"/>
               <a:t>Instructor lead time, where I do my best to explain things.</a:t>
             </a:r>
           </a:p>
@@ -625,15 +623,15 @@
               <a:buChar char="•"/>
             </a:pPr>
             <a:r>
-              <a:rPr lang="en-US" baseline="0" dirty="0" smtClean="0"/>
+              <a:rPr lang="en-US" baseline="0" dirty="0"/>
               <a:t>Throughout I will be providing examples.  All of these examples will be on </a:t>
             </a:r>
             <a:r>
-              <a:rPr lang="en-US" baseline="0" dirty="0" err="1" smtClean="0"/>
+              <a:rPr lang="en-US" baseline="0" dirty="0" err="1"/>
               <a:t>Github</a:t>
             </a:r>
             <a:r>
-              <a:rPr lang="en-US" baseline="0" dirty="0" smtClean="0"/>
+              <a:rPr lang="en-US" baseline="0" dirty="0"/>
               <a:t> for you to review.</a:t>
             </a:r>
           </a:p>
@@ -643,7 +641,7 @@
               <a:buChar char="•"/>
             </a:pPr>
             <a:r>
-              <a:rPr lang="en-US" baseline="0" dirty="0" smtClean="0"/>
+              <a:rPr lang="en-US" baseline="0" dirty="0"/>
               <a:t>I can stand up here forever and talk and none of it will make sense until you start doing code yourself.  Individual Exercises are provided that you will work on to better your understanding of what you are learning.</a:t>
             </a:r>
           </a:p>
@@ -653,7 +651,7 @@
               <a:buChar char="•"/>
             </a:pPr>
             <a:r>
-              <a:rPr lang="en-US" baseline="0" dirty="0" smtClean="0"/>
+              <a:rPr lang="en-US" baseline="0" dirty="0"/>
               <a:t>You will work in teams to create your own web application after we go through the material.  There is one full day that we dedicate to coding the team project.</a:t>
             </a:r>
           </a:p>
@@ -663,7 +661,7 @@
               <a:buChar char="•"/>
             </a:pPr>
             <a:r>
-              <a:rPr lang="en-US" baseline="0" dirty="0" smtClean="0"/>
+              <a:rPr lang="en-US" baseline="0" dirty="0"/>
               <a:t>On the last day we will work on a project together to review.</a:t>
             </a:r>
           </a:p>
@@ -673,7 +671,7 @@
               <a:buChar char="•"/>
             </a:pPr>
             <a:r>
-              <a:rPr lang="en-US" baseline="0" dirty="0" smtClean="0"/>
+              <a:rPr lang="en-US" baseline="0" dirty="0"/>
               <a:t>In the afternoon of the last day you will present your team projects.</a:t>
             </a:r>
           </a:p>
@@ -767,7 +765,7 @@
               <a:buChar char="•"/>
             </a:pPr>
             <a:r>
-              <a:rPr lang="en-US" baseline="0" dirty="0" smtClean="0"/>
+              <a:rPr lang="en-US" baseline="0" dirty="0"/>
               <a:t>The goals of the program are:</a:t>
             </a:r>
           </a:p>
@@ -777,7 +775,7 @@
               <a:buChar char="•"/>
             </a:pPr>
             <a:r>
-              <a:rPr lang="en-US" baseline="0" dirty="0" smtClean="0"/>
+              <a:rPr lang="en-US" baseline="0" dirty="0"/>
               <a:t>To provide a general understanding of a web application development stack and how all the pieces fit together.</a:t>
             </a:r>
           </a:p>
@@ -787,15 +785,15 @@
               <a:buChar char="•"/>
             </a:pPr>
             <a:r>
-              <a:rPr lang="en-US" baseline="0" dirty="0" smtClean="0"/>
+              <a:rPr lang="en-US" baseline="0" dirty="0"/>
               <a:t>To provide a basic understanding and introductory ability to use the technologies of HTML, CSS, Angular, C#, and </a:t>
             </a:r>
             <a:r>
-              <a:rPr lang="en-US" baseline="0" dirty="0" err="1" smtClean="0"/>
+              <a:rPr lang="en-US" baseline="0" dirty="0" err="1"/>
               <a:t>MySql</a:t>
             </a:r>
             <a:r>
-              <a:rPr lang="en-US" baseline="0" dirty="0" smtClean="0"/>
+              <a:rPr lang="en-US" baseline="0" dirty="0"/>
               <a:t>.</a:t>
             </a:r>
           </a:p>
@@ -805,7 +803,7 @@
               <a:buChar char="•"/>
             </a:pPr>
             <a:r>
-              <a:rPr lang="en-US" baseline="0" dirty="0" smtClean="0"/>
+              <a:rPr lang="en-US" baseline="0" dirty="0"/>
               <a:t>We will follow a clean architecture structure.  This may seem a bit excessive for the small applications we are creating, but it provides a good flexible structure to be used for larger scale applications.</a:t>
             </a:r>
           </a:p>
@@ -899,7 +897,7 @@
               <a:buChar char="•"/>
             </a:pPr>
             <a:r>
-              <a:rPr lang="en-US" dirty="0" smtClean="0"/>
+              <a:rPr lang="en-US" dirty="0"/>
               <a:t>Learning programming is not easy.</a:t>
             </a:r>
           </a:p>
@@ -909,7 +907,7 @@
               <a:buChar char="•"/>
             </a:pPr>
             <a:r>
-              <a:rPr lang="en-US" dirty="0" smtClean="0"/>
+              <a:rPr lang="en-US" dirty="0"/>
               <a:t>It’s somewhat like learning a foreign language.</a:t>
             </a:r>
           </a:p>
@@ -919,11 +917,11 @@
               <a:buChar char="•"/>
             </a:pPr>
             <a:r>
-              <a:rPr lang="en-US" dirty="0" smtClean="0"/>
+              <a:rPr lang="en-US" dirty="0"/>
               <a:t>If someone</a:t>
             </a:r>
             <a:r>
-              <a:rPr lang="en-US" baseline="0" dirty="0" smtClean="0"/>
+              <a:rPr lang="en-US" baseline="0" dirty="0"/>
               <a:t> has told you that they just naturally picked it up, it likely means, they forgot their struggle.</a:t>
             </a:r>
           </a:p>
@@ -933,7 +931,7 @@
               <a:buChar char="•"/>
             </a:pPr>
             <a:r>
-              <a:rPr lang="en-US" baseline="0" dirty="0" smtClean="0"/>
+              <a:rPr lang="en-US" baseline="0" dirty="0"/>
               <a:t>Everyone struggles at first.</a:t>
             </a:r>
           </a:p>
@@ -943,7 +941,7 @@
               <a:buChar char="•"/>
             </a:pPr>
             <a:r>
-              <a:rPr lang="en-US" baseline="0" dirty="0" smtClean="0"/>
+              <a:rPr lang="en-US" baseline="0" dirty="0"/>
               <a:t>It takes time and patience to learn.</a:t>
             </a:r>
           </a:p>
@@ -953,7 +951,7 @@
               <a:buChar char="•"/>
             </a:pPr>
             <a:r>
-              <a:rPr lang="en-US" baseline="0" dirty="0" smtClean="0"/>
+              <a:rPr lang="en-US" baseline="0" dirty="0"/>
               <a:t>We have limited time here.  You may need to practice more at home during the week.</a:t>
             </a:r>
           </a:p>
@@ -963,7 +961,7 @@
               <a:buChar char="•"/>
             </a:pPr>
             <a:r>
-              <a:rPr lang="en-US" baseline="0" dirty="0" smtClean="0"/>
+              <a:rPr lang="en-US" baseline="0" dirty="0"/>
               <a:t>If you are just starting, you will likely need more training after this to become proficient enough to get a job doing it.</a:t>
             </a:r>
           </a:p>
@@ -973,7 +971,7 @@
               <a:buChar char="•"/>
             </a:pPr>
             <a:r>
-              <a:rPr lang="en-US" baseline="0" dirty="0" smtClean="0"/>
+              <a:rPr lang="en-US" baseline="0" dirty="0"/>
               <a:t>Please respect each other in here.  If you have some knowledge coming in to this, please be respectful of those just learning.</a:t>
             </a:r>
           </a:p>
@@ -983,7 +981,7 @@
               <a:buChar char="•"/>
             </a:pPr>
             <a:r>
-              <a:rPr lang="en-US" baseline="0" dirty="0" smtClean="0"/>
+              <a:rPr lang="en-US" baseline="0" dirty="0"/>
               <a:t>Help each other out.  Some things may come easier to some people and harder to others.  If you get it, help your neighbor.</a:t>
             </a:r>
           </a:p>
@@ -993,7 +991,7 @@
               <a:buChar char="•"/>
             </a:pPr>
             <a:r>
-              <a:rPr lang="en-US" baseline="0" dirty="0" smtClean="0"/>
+              <a:rPr lang="en-US" baseline="0" dirty="0"/>
               <a:t>Let’s make this a safe place for everyone.  Be nice, be friendly, we’re all on the same team trying to help each other get better.</a:t>
             </a:r>
           </a:p>
@@ -1084,7 +1082,7 @@
               <a:buChar char="•"/>
             </a:pPr>
             <a:r>
-              <a:rPr lang="en-US" baseline="0" dirty="0" smtClean="0"/>
+              <a:rPr lang="en-US" baseline="0" dirty="0"/>
               <a:t>Join the Google Classroom this is where assignments are and where announcements will be made.</a:t>
             </a:r>
           </a:p>
@@ -1094,12 +1092,8 @@
               <a:buChar char="•"/>
             </a:pPr>
             <a:r>
-              <a:rPr lang="en-US" baseline="0" dirty="0" smtClean="0"/>
-              <a:t>A </a:t>
-            </a:r>
-            <a:r>
-              <a:rPr lang="en-US" baseline="0" dirty="0" smtClean="0"/>
-              <a:t>Logols group is available on Facebook to stay in touch after the Bootcamp is over.</a:t>
+              <a:rPr lang="en-US" baseline="0" dirty="0"/>
+              <a:t>A Logols group is available on Facebook to stay in touch after the Bootcamp is over.</a:t>
             </a:r>
           </a:p>
           <a:p>
@@ -1108,7 +1102,7 @@
               <a:buChar char="•"/>
             </a:pPr>
             <a:r>
-              <a:rPr lang="en-US" baseline="0" dirty="0" smtClean="0"/>
+              <a:rPr lang="en-US" baseline="0" dirty="0"/>
               <a:t>Visual Studio Code is the editor we will use for our code.</a:t>
             </a:r>
           </a:p>
@@ -1118,19 +1112,19 @@
               <a:buChar char="•"/>
             </a:pPr>
             <a:r>
-              <a:rPr lang="en-US" baseline="0" dirty="0" err="1" smtClean="0"/>
+              <a:rPr lang="en-US" baseline="0" dirty="0" err="1"/>
               <a:t>.Net</a:t>
             </a:r>
             <a:r>
-              <a:rPr lang="en-US" baseline="0" dirty="0" smtClean="0"/>
+              <a:rPr lang="en-US" baseline="0" dirty="0"/>
               <a:t> Core 2.0 is the </a:t>
             </a:r>
             <a:r>
-              <a:rPr lang="en-US" baseline="0" dirty="0" err="1" smtClean="0"/>
+              <a:rPr lang="en-US" baseline="0" dirty="0" err="1"/>
               <a:t>.Net</a:t>
             </a:r>
             <a:r>
-              <a:rPr lang="en-US" baseline="0" dirty="0" smtClean="0"/>
+              <a:rPr lang="en-US" baseline="0" dirty="0"/>
               <a:t> framework that we will use.</a:t>
             </a:r>
           </a:p>
@@ -1140,11 +1134,11 @@
               <a:buChar char="•"/>
             </a:pPr>
             <a:r>
-              <a:rPr lang="en-US" baseline="0" dirty="0" err="1" smtClean="0"/>
+              <a:rPr lang="en-US" baseline="0" dirty="0" err="1"/>
               <a:t>MySql</a:t>
             </a:r>
             <a:r>
-              <a:rPr lang="en-US" baseline="0" dirty="0" smtClean="0"/>
+              <a:rPr lang="en-US" baseline="0" dirty="0"/>
               <a:t> is the database that we will use.</a:t>
             </a:r>
           </a:p>
@@ -1154,23 +1148,23 @@
               <a:buChar char="•"/>
             </a:pPr>
             <a:r>
-              <a:rPr lang="en-US" baseline="0" dirty="0" smtClean="0"/>
+              <a:rPr lang="en-US" baseline="0" dirty="0"/>
               <a:t>A client for accessing </a:t>
             </a:r>
             <a:r>
-              <a:rPr lang="en-US" baseline="0" dirty="0" err="1" smtClean="0"/>
+              <a:rPr lang="en-US" baseline="0" dirty="0" err="1"/>
               <a:t>MySql</a:t>
             </a:r>
             <a:r>
-              <a:rPr lang="en-US" baseline="0" dirty="0" smtClean="0"/>
+              <a:rPr lang="en-US" baseline="0" dirty="0"/>
               <a:t> is </a:t>
             </a:r>
             <a:r>
-              <a:rPr lang="en-US" baseline="0" dirty="0" err="1" smtClean="0"/>
+              <a:rPr lang="en-US" baseline="0" dirty="0" err="1"/>
               <a:t>MySql</a:t>
             </a:r>
             <a:r>
-              <a:rPr lang="en-US" baseline="0" dirty="0" smtClean="0"/>
+              <a:rPr lang="en-US" baseline="0" dirty="0"/>
               <a:t> Workbench</a:t>
             </a:r>
           </a:p>
@@ -1180,7 +1174,7 @@
               <a:buChar char="•"/>
             </a:pPr>
             <a:r>
-              <a:rPr lang="en-US" baseline="0" dirty="0" smtClean="0"/>
+              <a:rPr lang="en-US" baseline="0" dirty="0"/>
               <a:t>Angular is the JavaScript framework that we will use.</a:t>
             </a:r>
           </a:p>
@@ -1359,7 +1353,7 @@
               <a:buChar char="•"/>
             </a:pPr>
             <a:r>
-              <a:rPr lang="en-US" sz="1200" baseline="0" dirty="0" smtClean="0"/>
+              <a:rPr lang="en-US" sz="1200" baseline="0" dirty="0"/>
               <a:t>Here are some examples of using new within the CLI to create new projects.</a:t>
             </a:r>
           </a:p>
@@ -1369,7 +1363,7 @@
               <a:buChar char="•"/>
             </a:pPr>
             <a:r>
-              <a:rPr lang="en-US" sz="1200" dirty="0" smtClean="0"/>
+              <a:rPr lang="en-US" sz="1200" dirty="0"/>
               <a:t>Console project:</a:t>
             </a:r>
           </a:p>
@@ -1379,11 +1373,11 @@
               <a:buChar char="•"/>
             </a:pPr>
             <a:r>
-              <a:rPr lang="en-US" sz="1200" dirty="0" err="1" smtClean="0"/>
+              <a:rPr lang="en-US" sz="1200" dirty="0" err="1"/>
               <a:t>dotnet</a:t>
             </a:r>
             <a:r>
-              <a:rPr lang="en-US" sz="1200" dirty="0" smtClean="0"/>
+              <a:rPr lang="en-US" sz="1200" dirty="0"/>
               <a:t> new console</a:t>
             </a:r>
           </a:p>
@@ -1393,7 +1387,7 @@
               <a:buChar char="•"/>
             </a:pPr>
             <a:r>
-              <a:rPr lang="en-US" sz="1200" dirty="0" smtClean="0"/>
+              <a:rPr lang="en-US" sz="1200" dirty="0"/>
               <a:t>Class Library project:</a:t>
             </a:r>
           </a:p>
@@ -1403,18 +1397,18 @@
               <a:buChar char="•"/>
             </a:pPr>
             <a:r>
-              <a:rPr lang="en-US" sz="1200" dirty="0" err="1" smtClean="0"/>
+              <a:rPr lang="en-US" sz="1200" dirty="0" err="1"/>
               <a:t>dotnet</a:t>
             </a:r>
             <a:r>
-              <a:rPr lang="en-US" sz="1200" dirty="0" smtClean="0"/>
+              <a:rPr lang="en-US" sz="1200" dirty="0"/>
               <a:t> new </a:t>
             </a:r>
             <a:r>
-              <a:rPr lang="en-US" sz="1200" dirty="0" err="1" smtClean="0"/>
+              <a:rPr lang="en-US" sz="1200" dirty="0" err="1"/>
               <a:t>classlib</a:t>
             </a:r>
-            <a:endParaRPr lang="en-US" sz="1200" dirty="0" smtClean="0"/>
+            <a:endParaRPr lang="en-US" sz="1200" dirty="0"/>
           </a:p>
           <a:p>
             <a:pPr marL="171450" lvl="0" indent="-171450">
@@ -1422,7 +1416,7 @@
               <a:buChar char="•"/>
             </a:pPr>
             <a:r>
-              <a:rPr lang="en-US" sz="1200" dirty="0" smtClean="0"/>
+              <a:rPr lang="en-US" sz="1200" dirty="0"/>
               <a:t>Web API project:</a:t>
             </a:r>
           </a:p>
@@ -1432,18 +1426,18 @@
               <a:buChar char="•"/>
             </a:pPr>
             <a:r>
-              <a:rPr lang="en-US" sz="1200" dirty="0" err="1" smtClean="0"/>
+              <a:rPr lang="en-US" sz="1200" dirty="0" err="1"/>
               <a:t>dotnet</a:t>
             </a:r>
             <a:r>
-              <a:rPr lang="en-US" sz="1200" dirty="0" smtClean="0"/>
+              <a:rPr lang="en-US" sz="1200" dirty="0"/>
               <a:t> new </a:t>
             </a:r>
             <a:r>
-              <a:rPr lang="en-US" sz="1200" dirty="0" err="1" smtClean="0"/>
+              <a:rPr lang="en-US" sz="1200" dirty="0" err="1"/>
               <a:t>webapi</a:t>
             </a:r>
-            <a:endParaRPr lang="en-US" sz="1200" dirty="0" smtClean="0"/>
+            <a:endParaRPr lang="en-US" sz="1200" dirty="0"/>
           </a:p>
           <a:p>
             <a:pPr marL="171450" lvl="0" indent="-171450">
@@ -1451,21 +1445,21 @@
               <a:buChar char="•"/>
             </a:pPr>
             <a:r>
-              <a:rPr lang="en-US" sz="1200" dirty="0" smtClean="0"/>
+              <a:rPr lang="en-US" sz="1200" dirty="0"/>
               <a:t>A</a:t>
             </a:r>
             <a:r>
-              <a:rPr lang="en-US" sz="1200" baseline="0" dirty="0" smtClean="0"/>
+              <a:rPr lang="en-US" sz="1200" baseline="0" dirty="0"/>
               <a:t> full reference is available here:  https://docs.microsoft.com/en-us/dotnet/core/tools/dotnet-new?tabs=netcore2x</a:t>
             </a:r>
-            <a:endParaRPr lang="en-US" sz="1200" dirty="0" smtClean="0"/>
+            <a:endParaRPr lang="en-US" sz="1200" dirty="0"/>
           </a:p>
           <a:p>
             <a:pPr marL="171450" indent="-171450">
               <a:buFont typeface="Arial" panose="020B0604020202020204" pitchFamily="34" charset="0"/>
               <a:buChar char="•"/>
             </a:pPr>
-            <a:endParaRPr lang="en-US" baseline="0" dirty="0" smtClean="0"/>
+            <a:endParaRPr lang="en-US" baseline="0" dirty="0"/>
           </a:p>
         </p:txBody>
       </p:sp>
@@ -1496,111 +1490,6 @@
     <p:extLst>
       <p:ext uri="{BB962C8B-B14F-4D97-AF65-F5344CB8AC3E}">
         <p14:creationId xmlns:p14="http://schemas.microsoft.com/office/powerpoint/2010/main" val="1815163309"/>
-      </p:ext>
-    </p:extLst>
-  </p:cSld>
-  <p:clrMapOvr>
-    <a:masterClrMapping/>
-  </p:clrMapOvr>
-</p:notes>
-</file>
-
-<file path=ppt/notesSlides/notesSlide8.xml><?xml version="1.0" encoding="utf-8"?>
-<p:notes xmlns:a="http://schemas.openxmlformats.org/drawingml/2006/main" xmlns:r="http://schemas.openxmlformats.org/officeDocument/2006/relationships" xmlns:p="http://schemas.openxmlformats.org/presentationml/2006/main">
-  <p:cSld>
-    <p:spTree>
-      <p:nvGrpSpPr>
-        <p:cNvPr id="1" name=""/>
-        <p:cNvGrpSpPr/>
-        <p:nvPr/>
-      </p:nvGrpSpPr>
-      <p:grpSpPr>
-        <a:xfrm>
-          <a:off x="0" y="0"/>
-          <a:ext cx="0" cy="0"/>
-          <a:chOff x="0" y="0"/>
-          <a:chExt cx="0" cy="0"/>
-        </a:xfrm>
-      </p:grpSpPr>
-      <p:sp>
-        <p:nvSpPr>
-          <p:cNvPr id="2" name="Slide Image Placeholder 1"/>
-          <p:cNvSpPr>
-            <a:spLocks noGrp="1" noRot="1" noChangeAspect="1"/>
-          </p:cNvSpPr>
-          <p:nvPr>
-            <p:ph type="sldImg"/>
-          </p:nvPr>
-        </p:nvSpPr>
-        <p:spPr/>
-      </p:sp>
-      <p:sp>
-        <p:nvSpPr>
-          <p:cNvPr id="3" name="Notes Placeholder 2"/>
-          <p:cNvSpPr>
-            <a:spLocks noGrp="1"/>
-          </p:cNvSpPr>
-          <p:nvPr>
-            <p:ph type="body" idx="1"/>
-          </p:nvPr>
-        </p:nvSpPr>
-        <p:spPr/>
-        <p:txBody>
-          <a:bodyPr/>
-          <a:lstStyle/>
-          <a:p>
-            <a:pPr marL="171450" indent="-171450">
-              <a:buFont typeface="Arial" panose="020B0604020202020204" pitchFamily="34" charset="0"/>
-              <a:buChar char="•"/>
-            </a:pPr>
-            <a:r>
-              <a:rPr lang="en-US" dirty="0" smtClean="0"/>
-              <a:t>We will now do an exercise</a:t>
-            </a:r>
-            <a:r>
-              <a:rPr lang="en-US" baseline="0" dirty="0" smtClean="0"/>
-              <a:t> that I do with my application development team for us to get to know each other better.</a:t>
-            </a:r>
-          </a:p>
-          <a:p>
-            <a:pPr marL="171450" indent="-171450">
-              <a:buFont typeface="Arial" panose="020B0604020202020204" pitchFamily="34" charset="0"/>
-              <a:buChar char="•"/>
-            </a:pPr>
-            <a:r>
-              <a:rPr lang="en-US" baseline="0" dirty="0" smtClean="0"/>
-              <a:t>Get to know each other, help each other as you will all be stuck at one point or another.</a:t>
-            </a:r>
-          </a:p>
-        </p:txBody>
-      </p:sp>
-      <p:sp>
-        <p:nvSpPr>
-          <p:cNvPr id="4" name="Slide Number Placeholder 3"/>
-          <p:cNvSpPr>
-            <a:spLocks noGrp="1"/>
-          </p:cNvSpPr>
-          <p:nvPr>
-            <p:ph type="sldNum" sz="quarter" idx="10"/>
-          </p:nvPr>
-        </p:nvSpPr>
-        <p:spPr/>
-        <p:txBody>
-          <a:bodyPr/>
-          <a:lstStyle/>
-          <a:p>
-            <a:fld id="{226FA58D-4B12-4E7B-A2FA-693CE3EACDFD}" type="slidenum">
-              <a:rPr lang="en-US" smtClean="0"/>
-              <a:t>8</a:t>
-            </a:fld>
-            <a:endParaRPr lang="en-US"/>
-          </a:p>
-        </p:txBody>
-      </p:sp>
-    </p:spTree>
-    <p:extLst>
-      <p:ext uri="{BB962C8B-B14F-4D97-AF65-F5344CB8AC3E}">
-        <p14:creationId xmlns:p14="http://schemas.microsoft.com/office/powerpoint/2010/main" val="642991231"/>
       </p:ext>
     </p:extLst>
   </p:cSld>
@@ -1652,7 +1541,7 @@
           </a:lstStyle>
           <a:p>
             <a:r>
-              <a:rPr lang="en-US" smtClean="0"/>
+              <a:rPr lang="en-US"/>
               <a:t>Click to edit Master title style</a:t>
             </a:r>
             <a:endParaRPr lang="en-US" dirty="0"/>
@@ -1772,7 +1661,7 @@
           </a:lstStyle>
           <a:p>
             <a:r>
-              <a:rPr lang="en-US" smtClean="0"/>
+              <a:rPr lang="en-US"/>
               <a:t>Click to edit Master subtitle style</a:t>
             </a:r>
             <a:endParaRPr lang="en-US" dirty="0"/>
@@ -1796,7 +1685,7 @@
           <a:p>
             <a:fld id="{96FB5D56-0812-4ED5-8B52-3D0DCBF578CB}" type="datetimeFigureOut">
               <a:rPr lang="en-US" smtClean="0"/>
-              <a:t>4/28/2018</a:t>
+              <a:t>5/19/2018</a:t>
             </a:fld>
             <a:endParaRPr lang="en-US"/>
           </a:p>
@@ -1901,7 +1790,7 @@
           </a:lstStyle>
           <a:p>
             <a:r>
-              <a:rPr lang="en-US" smtClean="0"/>
+              <a:rPr lang="en-US"/>
               <a:t>Click to edit Master title style</a:t>
             </a:r>
             <a:endParaRPr lang="en-US" dirty="0"/>
@@ -1980,7 +1869,7 @@
           </a:lstStyle>
           <a:p>
             <a:r>
-              <a:rPr lang="en-US" smtClean="0"/>
+              <a:rPr lang="en-US"/>
               <a:t>Click icon to add picture</a:t>
             </a:r>
             <a:endParaRPr lang="en-US" dirty="0"/>
@@ -2048,7 +1937,7 @@
           <a:p>
             <a:pPr lvl="0"/>
             <a:r>
-              <a:rPr lang="en-US" smtClean="0"/>
+              <a:rPr lang="en-US"/>
               <a:t>Click to edit Master text styles</a:t>
             </a:r>
           </a:p>
@@ -2071,7 +1960,7 @@
           <a:p>
             <a:fld id="{96FB5D56-0812-4ED5-8B52-3D0DCBF578CB}" type="datetimeFigureOut">
               <a:rPr lang="en-US" smtClean="0"/>
-              <a:t>4/28/2018</a:t>
+              <a:t>5/19/2018</a:t>
             </a:fld>
             <a:endParaRPr lang="en-US"/>
           </a:p>
@@ -2174,7 +2063,7 @@
           </a:lstStyle>
           <a:p>
             <a:r>
-              <a:rPr lang="en-US" smtClean="0"/>
+              <a:rPr lang="en-US"/>
               <a:t>Click to edit Master title style</a:t>
             </a:r>
             <a:endParaRPr lang="en-US" dirty="0"/>
@@ -2242,7 +2131,7 @@
           <a:p>
             <a:pPr lvl="0"/>
             <a:r>
-              <a:rPr lang="en-US" smtClean="0"/>
+              <a:rPr lang="en-US"/>
               <a:t>Click to edit Master text styles</a:t>
             </a:r>
           </a:p>
@@ -2265,7 +2154,7 @@
           <a:p>
             <a:fld id="{96FB5D56-0812-4ED5-8B52-3D0DCBF578CB}" type="datetimeFigureOut">
               <a:rPr lang="en-US" smtClean="0"/>
-              <a:t>4/28/2018</a:t>
+              <a:t>5/19/2018</a:t>
             </a:fld>
             <a:endParaRPr lang="en-US"/>
           </a:p>
@@ -2368,7 +2257,7 @@
           </a:lstStyle>
           <a:p>
             <a:r>
-              <a:rPr lang="en-US" smtClean="0"/>
+              <a:rPr lang="en-US"/>
               <a:t>Click to edit Master title style</a:t>
             </a:r>
             <a:endParaRPr lang="en-US" dirty="0"/>
@@ -2448,7 +2337,7 @@
               <a:buNone/>
             </a:pPr>
             <a:r>
-              <a:rPr lang="en-US" smtClean="0"/>
+              <a:rPr lang="en-US"/>
               <a:t>Click to edit Master text styles</a:t>
             </a:r>
           </a:p>
@@ -2515,7 +2404,7 @@
           <a:p>
             <a:pPr lvl="0"/>
             <a:r>
-              <a:rPr lang="en-US" smtClean="0"/>
+              <a:rPr lang="en-US"/>
               <a:t>Click to edit Master text styles</a:t>
             </a:r>
           </a:p>
@@ -2538,7 +2427,7 @@
           <a:p>
             <a:fld id="{96FB5D56-0812-4ED5-8B52-3D0DCBF578CB}" type="datetimeFigureOut">
               <a:rPr lang="en-US" smtClean="0"/>
-              <a:t>4/28/2018</a:t>
+              <a:t>5/19/2018</a:t>
             </a:fld>
             <a:endParaRPr lang="en-US"/>
           </a:p>
@@ -2735,7 +2624,7 @@
           </a:lstStyle>
           <a:p>
             <a:r>
-              <a:rPr lang="en-US" smtClean="0"/>
+              <a:rPr lang="en-US"/>
               <a:t>Click to edit Master title style</a:t>
             </a:r>
             <a:endParaRPr lang="en-US" dirty="0"/>
@@ -2856,7 +2745,7 @@
           <a:p>
             <a:pPr lvl="0"/>
             <a:r>
-              <a:rPr lang="en-US" smtClean="0"/>
+              <a:rPr lang="en-US"/>
               <a:t>Click to edit Master text styles</a:t>
             </a:r>
           </a:p>
@@ -2879,7 +2768,7 @@
           <a:p>
             <a:fld id="{96FB5D56-0812-4ED5-8B52-3D0DCBF578CB}" type="datetimeFigureOut">
               <a:rPr lang="en-US" smtClean="0"/>
-              <a:t>4/28/2018</a:t>
+              <a:t>5/19/2018</a:t>
             </a:fld>
             <a:endParaRPr lang="en-US"/>
           </a:p>
@@ -2977,7 +2866,7 @@
           </a:lstStyle>
           <a:p>
             <a:r>
-              <a:rPr lang="en-US" smtClean="0"/>
+              <a:rPr lang="en-US"/>
               <a:t>Click to edit Master title style</a:t>
             </a:r>
             <a:endParaRPr lang="en-US" dirty="0"/>
@@ -3052,7 +2941,7 @@
           <a:p>
             <a:pPr lvl="0"/>
             <a:r>
-              <a:rPr lang="en-US" smtClean="0"/>
+              <a:rPr lang="en-US"/>
               <a:t>Click to edit Master text styles</a:t>
             </a:r>
           </a:p>
@@ -3119,7 +3008,7 @@
           <a:p>
             <a:pPr lvl="0"/>
             <a:r>
-              <a:rPr lang="en-US" smtClean="0"/>
+              <a:rPr lang="en-US"/>
               <a:t>Click to edit Master text styles</a:t>
             </a:r>
           </a:p>
@@ -3193,7 +3082,7 @@
           <a:p>
             <a:pPr lvl="0"/>
             <a:r>
-              <a:rPr lang="en-US" smtClean="0"/>
+              <a:rPr lang="en-US"/>
               <a:t>Click to edit Master text styles</a:t>
             </a:r>
           </a:p>
@@ -3260,7 +3149,7 @@
           <a:p>
             <a:pPr lvl="0"/>
             <a:r>
-              <a:rPr lang="en-US" smtClean="0"/>
+              <a:rPr lang="en-US"/>
               <a:t>Click to edit Master text styles</a:t>
             </a:r>
           </a:p>
@@ -3334,7 +3223,7 @@
           <a:p>
             <a:pPr lvl="0"/>
             <a:r>
-              <a:rPr lang="en-US" smtClean="0"/>
+              <a:rPr lang="en-US"/>
               <a:t>Click to edit Master text styles</a:t>
             </a:r>
           </a:p>
@@ -3401,7 +3290,7 @@
           <a:p>
             <a:pPr lvl="0"/>
             <a:r>
-              <a:rPr lang="en-US" smtClean="0"/>
+              <a:rPr lang="en-US"/>
               <a:t>Click to edit Master text styles</a:t>
             </a:r>
           </a:p>
@@ -3502,7 +3391,7 @@
           <a:p>
             <a:fld id="{96FB5D56-0812-4ED5-8B52-3D0DCBF578CB}" type="datetimeFigureOut">
               <a:rPr lang="en-US" smtClean="0"/>
-              <a:t>4/28/2018</a:t>
+              <a:t>5/19/2018</a:t>
             </a:fld>
             <a:endParaRPr lang="en-US"/>
           </a:p>
@@ -3600,7 +3489,7 @@
           </a:lstStyle>
           <a:p>
             <a:r>
-              <a:rPr lang="en-US" smtClean="0"/>
+              <a:rPr lang="en-US"/>
               <a:t>Click to edit Master title style</a:t>
             </a:r>
             <a:endParaRPr lang="en-US" dirty="0"/>
@@ -3675,7 +3564,7 @@
           <a:p>
             <a:pPr lvl="0"/>
             <a:r>
-              <a:rPr lang="en-US" smtClean="0"/>
+              <a:rPr lang="en-US"/>
               <a:t>Click to edit Master text styles</a:t>
             </a:r>
           </a:p>
@@ -3753,7 +3642,7 @@
           </a:lstStyle>
           <a:p>
             <a:r>
-              <a:rPr lang="en-US" smtClean="0"/>
+              <a:rPr lang="en-US"/>
               <a:t>Click icon to add picture</a:t>
             </a:r>
             <a:endParaRPr lang="en-US" dirty="0"/>
@@ -3821,7 +3710,7 @@
           <a:p>
             <a:pPr lvl="0"/>
             <a:r>
-              <a:rPr lang="en-US" smtClean="0"/>
+              <a:rPr lang="en-US"/>
               <a:t>Click to edit Master text styles</a:t>
             </a:r>
           </a:p>
@@ -3895,7 +3784,7 @@
           <a:p>
             <a:pPr lvl="0"/>
             <a:r>
-              <a:rPr lang="en-US" smtClean="0"/>
+              <a:rPr lang="en-US"/>
               <a:t>Click to edit Master text styles</a:t>
             </a:r>
           </a:p>
@@ -3973,7 +3862,7 @@
           </a:lstStyle>
           <a:p>
             <a:r>
-              <a:rPr lang="en-US" smtClean="0"/>
+              <a:rPr lang="en-US"/>
               <a:t>Click icon to add picture</a:t>
             </a:r>
             <a:endParaRPr lang="en-US" dirty="0"/>
@@ -4041,7 +3930,7 @@
           <a:p>
             <a:pPr lvl="0"/>
             <a:r>
-              <a:rPr lang="en-US" smtClean="0"/>
+              <a:rPr lang="en-US"/>
               <a:t>Click to edit Master text styles</a:t>
             </a:r>
           </a:p>
@@ -4115,7 +4004,7 @@
           <a:p>
             <a:pPr lvl="0"/>
             <a:r>
-              <a:rPr lang="en-US" smtClean="0"/>
+              <a:rPr lang="en-US"/>
               <a:t>Click to edit Master text styles</a:t>
             </a:r>
           </a:p>
@@ -4193,7 +4082,7 @@
           </a:lstStyle>
           <a:p>
             <a:r>
-              <a:rPr lang="en-US" smtClean="0"/>
+              <a:rPr lang="en-US"/>
               <a:t>Click icon to add picture</a:t>
             </a:r>
             <a:endParaRPr lang="en-US" dirty="0"/>
@@ -4261,7 +4150,7 @@
           <a:p>
             <a:pPr lvl="0"/>
             <a:r>
-              <a:rPr lang="en-US" smtClean="0"/>
+              <a:rPr lang="en-US"/>
               <a:t>Click to edit Master text styles</a:t>
             </a:r>
           </a:p>
@@ -4362,7 +4251,7 @@
           <a:p>
             <a:fld id="{96FB5D56-0812-4ED5-8B52-3D0DCBF578CB}" type="datetimeFigureOut">
               <a:rPr lang="en-US" smtClean="0"/>
-              <a:t>4/28/2018</a:t>
+              <a:t>5/19/2018</a:t>
             </a:fld>
             <a:endParaRPr lang="en-US"/>
           </a:p>
@@ -4456,7 +4345,7 @@
           <a:lstStyle/>
           <a:p>
             <a:r>
-              <a:rPr lang="en-US" smtClean="0"/>
+              <a:rPr lang="en-US"/>
               <a:t>Click to edit Master title style</a:t>
             </a:r>
             <a:endParaRPr lang="en-US" dirty="0"/>
@@ -4480,35 +4369,35 @@
           <a:p>
             <a:pPr lvl="0"/>
             <a:r>
-              <a:rPr lang="en-US" smtClean="0"/>
+              <a:rPr lang="en-US"/>
               <a:t>Click to edit Master text styles</a:t>
             </a:r>
           </a:p>
           <a:p>
             <a:pPr lvl="1"/>
             <a:r>
-              <a:rPr lang="en-US" smtClean="0"/>
+              <a:rPr lang="en-US"/>
               <a:t>Second level</a:t>
             </a:r>
           </a:p>
           <a:p>
             <a:pPr lvl="2"/>
             <a:r>
-              <a:rPr lang="en-US" smtClean="0"/>
+              <a:rPr lang="en-US"/>
               <a:t>Third level</a:t>
             </a:r>
           </a:p>
           <a:p>
             <a:pPr lvl="3"/>
             <a:r>
-              <a:rPr lang="en-US" smtClean="0"/>
+              <a:rPr lang="en-US"/>
               <a:t>Fourth level</a:t>
             </a:r>
           </a:p>
           <a:p>
             <a:pPr lvl="4"/>
             <a:r>
-              <a:rPr lang="en-US" smtClean="0"/>
+              <a:rPr lang="en-US"/>
               <a:t>Fifth level</a:t>
             </a:r>
             <a:endParaRPr lang="en-US" dirty="0"/>
@@ -4532,7 +4421,7 @@
           <a:p>
             <a:fld id="{96FB5D56-0812-4ED5-8B52-3D0DCBF578CB}" type="datetimeFigureOut">
               <a:rPr lang="en-US" smtClean="0"/>
-              <a:t>4/28/2018</a:t>
+              <a:t>5/19/2018</a:t>
             </a:fld>
             <a:endParaRPr lang="en-US"/>
           </a:p>
@@ -4631,7 +4520,7 @@
           <a:lstStyle/>
           <a:p>
             <a:r>
-              <a:rPr lang="en-US" smtClean="0"/>
+              <a:rPr lang="en-US"/>
               <a:t>Click to edit Master title style</a:t>
             </a:r>
             <a:endParaRPr lang="en-US" dirty="0"/>
@@ -4660,35 +4549,35 @@
           <a:p>
             <a:pPr lvl="0"/>
             <a:r>
-              <a:rPr lang="en-US" smtClean="0"/>
+              <a:rPr lang="en-US"/>
               <a:t>Click to edit Master text styles</a:t>
             </a:r>
           </a:p>
           <a:p>
             <a:pPr lvl="1"/>
             <a:r>
-              <a:rPr lang="en-US" smtClean="0"/>
+              <a:rPr lang="en-US"/>
               <a:t>Second level</a:t>
             </a:r>
           </a:p>
           <a:p>
             <a:pPr lvl="2"/>
             <a:r>
-              <a:rPr lang="en-US" smtClean="0"/>
+              <a:rPr lang="en-US"/>
               <a:t>Third level</a:t>
             </a:r>
           </a:p>
           <a:p>
             <a:pPr lvl="3"/>
             <a:r>
-              <a:rPr lang="en-US" smtClean="0"/>
+              <a:rPr lang="en-US"/>
               <a:t>Fourth level</a:t>
             </a:r>
           </a:p>
           <a:p>
             <a:pPr lvl="4"/>
             <a:r>
-              <a:rPr lang="en-US" smtClean="0"/>
+              <a:rPr lang="en-US"/>
               <a:t>Fifth level</a:t>
             </a:r>
             <a:endParaRPr lang="en-US" dirty="0"/>
@@ -4712,7 +4601,7 @@
           <a:p>
             <a:fld id="{96FB5D56-0812-4ED5-8B52-3D0DCBF578CB}" type="datetimeFigureOut">
               <a:rPr lang="en-US" smtClean="0"/>
-              <a:t>4/28/2018</a:t>
+              <a:t>5/19/2018</a:t>
             </a:fld>
             <a:endParaRPr lang="en-US"/>
           </a:p>
@@ -4806,7 +4695,7 @@
           <a:lstStyle/>
           <a:p>
             <a:r>
-              <a:rPr lang="en-US" smtClean="0"/>
+              <a:rPr lang="en-US"/>
               <a:t>Click to edit Master title style</a:t>
             </a:r>
             <a:endParaRPr lang="en-US" dirty="0"/>
@@ -4830,35 +4719,35 @@
           <a:p>
             <a:pPr lvl="0"/>
             <a:r>
-              <a:rPr lang="en-US" smtClean="0"/>
+              <a:rPr lang="en-US"/>
               <a:t>Click to edit Master text styles</a:t>
             </a:r>
           </a:p>
           <a:p>
             <a:pPr lvl="1"/>
             <a:r>
-              <a:rPr lang="en-US" smtClean="0"/>
+              <a:rPr lang="en-US"/>
               <a:t>Second level</a:t>
             </a:r>
           </a:p>
           <a:p>
             <a:pPr lvl="2"/>
             <a:r>
-              <a:rPr lang="en-US" smtClean="0"/>
+              <a:rPr lang="en-US"/>
               <a:t>Third level</a:t>
             </a:r>
           </a:p>
           <a:p>
             <a:pPr lvl="3"/>
             <a:r>
-              <a:rPr lang="en-US" smtClean="0"/>
+              <a:rPr lang="en-US"/>
               <a:t>Fourth level</a:t>
             </a:r>
           </a:p>
           <a:p>
             <a:pPr lvl="4"/>
             <a:r>
-              <a:rPr lang="en-US" smtClean="0"/>
+              <a:rPr lang="en-US"/>
               <a:t>Fifth level</a:t>
             </a:r>
             <a:endParaRPr lang="en-US" dirty="0"/>
@@ -4882,7 +4771,7 @@
           <a:p>
             <a:fld id="{96FB5D56-0812-4ED5-8B52-3D0DCBF578CB}" type="datetimeFigureOut">
               <a:rPr lang="en-US" smtClean="0"/>
-              <a:t>4/28/2018</a:t>
+              <a:t>5/19/2018</a:t>
             </a:fld>
             <a:endParaRPr lang="en-US"/>
           </a:p>
@@ -4985,7 +4874,7 @@
           </a:lstStyle>
           <a:p>
             <a:r>
-              <a:rPr lang="en-US" smtClean="0"/>
+              <a:rPr lang="en-US"/>
               <a:t>Click to edit Master title style</a:t>
             </a:r>
             <a:endParaRPr lang="en-US" dirty="0"/>
@@ -5106,7 +4995,7 @@
           <a:p>
             <a:pPr lvl="0"/>
             <a:r>
-              <a:rPr lang="en-US" smtClean="0"/>
+              <a:rPr lang="en-US"/>
               <a:t>Click to edit Master text styles</a:t>
             </a:r>
           </a:p>
@@ -5129,7 +5018,7 @@
           <a:p>
             <a:fld id="{96FB5D56-0812-4ED5-8B52-3D0DCBF578CB}" type="datetimeFigureOut">
               <a:rPr lang="en-US" smtClean="0"/>
-              <a:t>4/28/2018</a:t>
+              <a:t>5/19/2018</a:t>
             </a:fld>
             <a:endParaRPr lang="en-US"/>
           </a:p>
@@ -5223,7 +5112,7 @@
           <a:lstStyle/>
           <a:p>
             <a:r>
-              <a:rPr lang="en-US" smtClean="0"/>
+              <a:rPr lang="en-US"/>
               <a:t>Click to edit Master title style</a:t>
             </a:r>
             <a:endParaRPr lang="en-US" dirty="0"/>
@@ -5282,35 +5171,35 @@
           <a:p>
             <a:pPr lvl="0"/>
             <a:r>
-              <a:rPr lang="en-US" smtClean="0"/>
+              <a:rPr lang="en-US"/>
               <a:t>Click to edit Master text styles</a:t>
             </a:r>
           </a:p>
           <a:p>
             <a:pPr lvl="1"/>
             <a:r>
-              <a:rPr lang="en-US" smtClean="0"/>
+              <a:rPr lang="en-US"/>
               <a:t>Second level</a:t>
             </a:r>
           </a:p>
           <a:p>
             <a:pPr lvl="2"/>
             <a:r>
-              <a:rPr lang="en-US" smtClean="0"/>
+              <a:rPr lang="en-US"/>
               <a:t>Third level</a:t>
             </a:r>
           </a:p>
           <a:p>
             <a:pPr lvl="3"/>
             <a:r>
-              <a:rPr lang="en-US" smtClean="0"/>
+              <a:rPr lang="en-US"/>
               <a:t>Fourth level</a:t>
             </a:r>
           </a:p>
           <a:p>
             <a:pPr lvl="4"/>
             <a:r>
-              <a:rPr lang="en-US" smtClean="0"/>
+              <a:rPr lang="en-US"/>
               <a:t>Fifth level</a:t>
             </a:r>
             <a:endParaRPr lang="en-US" dirty="0"/>
@@ -5369,35 +5258,35 @@
           <a:p>
             <a:pPr lvl="0"/>
             <a:r>
-              <a:rPr lang="en-US" smtClean="0"/>
+              <a:rPr lang="en-US"/>
               <a:t>Click to edit Master text styles</a:t>
             </a:r>
           </a:p>
           <a:p>
             <a:pPr lvl="1"/>
             <a:r>
-              <a:rPr lang="en-US" smtClean="0"/>
+              <a:rPr lang="en-US"/>
               <a:t>Second level</a:t>
             </a:r>
           </a:p>
           <a:p>
             <a:pPr lvl="2"/>
             <a:r>
-              <a:rPr lang="en-US" smtClean="0"/>
+              <a:rPr lang="en-US"/>
               <a:t>Third level</a:t>
             </a:r>
           </a:p>
           <a:p>
             <a:pPr lvl="3"/>
             <a:r>
-              <a:rPr lang="en-US" smtClean="0"/>
+              <a:rPr lang="en-US"/>
               <a:t>Fourth level</a:t>
             </a:r>
           </a:p>
           <a:p>
             <a:pPr lvl="4"/>
             <a:r>
-              <a:rPr lang="en-US" smtClean="0"/>
+              <a:rPr lang="en-US"/>
               <a:t>Fifth level</a:t>
             </a:r>
             <a:endParaRPr lang="en-US" dirty="0"/>
@@ -5421,7 +5310,7 @@
           <a:p>
             <a:fld id="{96FB5D56-0812-4ED5-8B52-3D0DCBF578CB}" type="datetimeFigureOut">
               <a:rPr lang="en-US" smtClean="0"/>
-              <a:t>4/28/2018</a:t>
+              <a:t>5/19/2018</a:t>
             </a:fld>
             <a:endParaRPr lang="en-US"/>
           </a:p>
@@ -5519,7 +5408,7 @@
           </a:lstStyle>
           <a:p>
             <a:r>
-              <a:rPr lang="en-US" smtClean="0"/>
+              <a:rPr lang="en-US"/>
               <a:t>Click to edit Master title style</a:t>
             </a:r>
             <a:endParaRPr lang="en-US" dirty="0"/>
@@ -5594,7 +5483,7 @@
           <a:p>
             <a:pPr lvl="0"/>
             <a:r>
-              <a:rPr lang="en-US" smtClean="0"/>
+              <a:rPr lang="en-US"/>
               <a:t>Click to edit Master text styles</a:t>
             </a:r>
           </a:p>
@@ -5652,35 +5541,35 @@
           <a:p>
             <a:pPr lvl="0"/>
             <a:r>
-              <a:rPr lang="en-US" smtClean="0"/>
+              <a:rPr lang="en-US"/>
               <a:t>Click to edit Master text styles</a:t>
             </a:r>
           </a:p>
           <a:p>
             <a:pPr lvl="1"/>
             <a:r>
-              <a:rPr lang="en-US" smtClean="0"/>
+              <a:rPr lang="en-US"/>
               <a:t>Second level</a:t>
             </a:r>
           </a:p>
           <a:p>
             <a:pPr lvl="2"/>
             <a:r>
-              <a:rPr lang="en-US" smtClean="0"/>
+              <a:rPr lang="en-US"/>
               <a:t>Third level</a:t>
             </a:r>
           </a:p>
           <a:p>
             <a:pPr lvl="3"/>
             <a:r>
-              <a:rPr lang="en-US" smtClean="0"/>
+              <a:rPr lang="en-US"/>
               <a:t>Fourth level</a:t>
             </a:r>
           </a:p>
           <a:p>
             <a:pPr lvl="4"/>
             <a:r>
-              <a:rPr lang="en-US" smtClean="0"/>
+              <a:rPr lang="en-US"/>
               <a:t>Fifth level</a:t>
             </a:r>
             <a:endParaRPr lang="en-US" dirty="0"/>
@@ -5755,7 +5644,7 @@
           <a:p>
             <a:pPr lvl="0"/>
             <a:r>
-              <a:rPr lang="en-US" smtClean="0"/>
+              <a:rPr lang="en-US"/>
               <a:t>Click to edit Master text styles</a:t>
             </a:r>
           </a:p>
@@ -5813,35 +5702,35 @@
           <a:p>
             <a:pPr lvl="0"/>
             <a:r>
-              <a:rPr lang="en-US" smtClean="0"/>
+              <a:rPr lang="en-US"/>
               <a:t>Click to edit Master text styles</a:t>
             </a:r>
           </a:p>
           <a:p>
             <a:pPr lvl="1"/>
             <a:r>
-              <a:rPr lang="en-US" smtClean="0"/>
+              <a:rPr lang="en-US"/>
               <a:t>Second level</a:t>
             </a:r>
           </a:p>
           <a:p>
             <a:pPr lvl="2"/>
             <a:r>
-              <a:rPr lang="en-US" smtClean="0"/>
+              <a:rPr lang="en-US"/>
               <a:t>Third level</a:t>
             </a:r>
           </a:p>
           <a:p>
             <a:pPr lvl="3"/>
             <a:r>
-              <a:rPr lang="en-US" smtClean="0"/>
+              <a:rPr lang="en-US"/>
               <a:t>Fourth level</a:t>
             </a:r>
           </a:p>
           <a:p>
             <a:pPr lvl="4"/>
             <a:r>
-              <a:rPr lang="en-US" smtClean="0"/>
+              <a:rPr lang="en-US"/>
               <a:t>Fifth level</a:t>
             </a:r>
             <a:endParaRPr lang="en-US" dirty="0"/>
@@ -5865,7 +5754,7 @@
           <a:p>
             <a:fld id="{96FB5D56-0812-4ED5-8B52-3D0DCBF578CB}" type="datetimeFigureOut">
               <a:rPr lang="en-US" smtClean="0"/>
-              <a:t>4/28/2018</a:t>
+              <a:t>5/19/2018</a:t>
             </a:fld>
             <a:endParaRPr lang="en-US"/>
           </a:p>
@@ -5959,7 +5848,7 @@
           <a:lstStyle/>
           <a:p>
             <a:r>
-              <a:rPr lang="en-US" smtClean="0"/>
+              <a:rPr lang="en-US"/>
               <a:t>Click to edit Master title style</a:t>
             </a:r>
             <a:endParaRPr lang="en-US" dirty="0"/>
@@ -5983,7 +5872,7 @@
           <a:p>
             <a:fld id="{96FB5D56-0812-4ED5-8B52-3D0DCBF578CB}" type="datetimeFigureOut">
               <a:rPr lang="en-US" smtClean="0"/>
-              <a:t>4/28/2018</a:t>
+              <a:t>5/19/2018</a:t>
             </a:fld>
             <a:endParaRPr lang="en-US"/>
           </a:p>
@@ -6078,7 +5967,7 @@
           <a:p>
             <a:fld id="{96FB5D56-0812-4ED5-8B52-3D0DCBF578CB}" type="datetimeFigureOut">
               <a:rPr lang="en-US" smtClean="0"/>
-              <a:t>4/28/2018</a:t>
+              <a:t>5/19/2018</a:t>
             </a:fld>
             <a:endParaRPr lang="en-US"/>
           </a:p>
@@ -6181,7 +6070,7 @@
           </a:lstStyle>
           <a:p>
             <a:r>
-              <a:rPr lang="en-US" smtClean="0"/>
+              <a:rPr lang="en-US"/>
               <a:t>Click to edit Master title style</a:t>
             </a:r>
             <a:endParaRPr lang="en-US" dirty="0"/>
@@ -6240,35 +6129,35 @@
           <a:p>
             <a:pPr lvl="0"/>
             <a:r>
-              <a:rPr lang="en-US" smtClean="0"/>
+              <a:rPr lang="en-US"/>
               <a:t>Click to edit Master text styles</a:t>
             </a:r>
           </a:p>
           <a:p>
             <a:pPr lvl="1"/>
             <a:r>
-              <a:rPr lang="en-US" smtClean="0"/>
+              <a:rPr lang="en-US"/>
               <a:t>Second level</a:t>
             </a:r>
           </a:p>
           <a:p>
             <a:pPr lvl="2"/>
             <a:r>
-              <a:rPr lang="en-US" smtClean="0"/>
+              <a:rPr lang="en-US"/>
               <a:t>Third level</a:t>
             </a:r>
           </a:p>
           <a:p>
             <a:pPr lvl="3"/>
             <a:r>
-              <a:rPr lang="en-US" smtClean="0"/>
+              <a:rPr lang="en-US"/>
               <a:t>Fourth level</a:t>
             </a:r>
           </a:p>
           <a:p>
             <a:pPr lvl="4"/>
             <a:r>
-              <a:rPr lang="en-US" smtClean="0"/>
+              <a:rPr lang="en-US"/>
               <a:t>Fifth level</a:t>
             </a:r>
             <a:endParaRPr lang="en-US" dirty="0"/>
@@ -6334,7 +6223,7 @@
           <a:p>
             <a:pPr lvl="0"/>
             <a:r>
-              <a:rPr lang="en-US" smtClean="0"/>
+              <a:rPr lang="en-US"/>
               <a:t>Click to edit Master text styles</a:t>
             </a:r>
           </a:p>
@@ -6357,7 +6246,7 @@
           <a:p>
             <a:fld id="{96FB5D56-0812-4ED5-8B52-3D0DCBF578CB}" type="datetimeFigureOut">
               <a:rPr lang="en-US" smtClean="0"/>
-              <a:t>4/28/2018</a:t>
+              <a:t>5/19/2018</a:t>
             </a:fld>
             <a:endParaRPr lang="en-US"/>
           </a:p>
@@ -6462,7 +6351,7 @@
           </a:lstStyle>
           <a:p>
             <a:r>
-              <a:rPr lang="en-US" smtClean="0"/>
+              <a:rPr lang="en-US"/>
               <a:t>Click to edit Master title style</a:t>
             </a:r>
             <a:endParaRPr lang="en-US" dirty="0"/>
@@ -6541,7 +6430,7 @@
           </a:lstStyle>
           <a:p>
             <a:r>
-              <a:rPr lang="en-US" smtClean="0"/>
+              <a:rPr lang="en-US"/>
               <a:t>Click icon to add picture</a:t>
             </a:r>
             <a:endParaRPr lang="en-US" dirty="0"/>
@@ -6609,7 +6498,7 @@
           <a:p>
             <a:pPr lvl="0"/>
             <a:r>
-              <a:rPr lang="en-US" smtClean="0"/>
+              <a:rPr lang="en-US"/>
               <a:t>Click to edit Master text styles</a:t>
             </a:r>
           </a:p>
@@ -6632,7 +6521,7 @@
           <a:p>
             <a:fld id="{96FB5D56-0812-4ED5-8B52-3D0DCBF578CB}" type="datetimeFigureOut">
               <a:rPr lang="en-US" smtClean="0"/>
-              <a:t>4/28/2018</a:t>
+              <a:t>5/19/2018</a:t>
             </a:fld>
             <a:endParaRPr lang="en-US"/>
           </a:p>
@@ -6956,7 +6845,7 @@
           <a:lstStyle/>
           <a:p>
             <a:r>
-              <a:rPr lang="en-US" smtClean="0"/>
+              <a:rPr lang="en-US"/>
               <a:t>Click to edit Master title style</a:t>
             </a:r>
             <a:endParaRPr lang="en-US" dirty="0"/>
@@ -6990,35 +6879,35 @@
           <a:p>
             <a:pPr lvl="0"/>
             <a:r>
-              <a:rPr lang="en-US" smtClean="0"/>
+              <a:rPr lang="en-US"/>
               <a:t>Click to edit Master text styles</a:t>
             </a:r>
           </a:p>
           <a:p>
             <a:pPr lvl="1"/>
             <a:r>
-              <a:rPr lang="en-US" smtClean="0"/>
+              <a:rPr lang="en-US"/>
               <a:t>Second level</a:t>
             </a:r>
           </a:p>
           <a:p>
             <a:pPr lvl="2"/>
             <a:r>
-              <a:rPr lang="en-US" smtClean="0"/>
+              <a:rPr lang="en-US"/>
               <a:t>Third level</a:t>
             </a:r>
           </a:p>
           <a:p>
             <a:pPr lvl="3"/>
             <a:r>
-              <a:rPr lang="en-US" smtClean="0"/>
+              <a:rPr lang="en-US"/>
               <a:t>Fourth level</a:t>
             </a:r>
           </a:p>
           <a:p>
             <a:pPr lvl="4"/>
             <a:r>
-              <a:rPr lang="en-US" smtClean="0"/>
+              <a:rPr lang="en-US"/>
               <a:t>Fifth level</a:t>
             </a:r>
             <a:endParaRPr lang="en-US" dirty="0"/>
@@ -7061,7 +6950,7 @@
           <a:p>
             <a:fld id="{96FB5D56-0812-4ED5-8B52-3D0DCBF578CB}" type="datetimeFigureOut">
               <a:rPr lang="en-US" smtClean="0"/>
-              <a:t>4/28/2018</a:t>
+              <a:t>5/19/2018</a:t>
             </a:fld>
             <a:endParaRPr lang="en-US"/>
           </a:p>
@@ -7605,14 +7494,13 @@
           <a:lstStyle/>
           <a:p>
             <a:r>
-              <a:rPr lang="en-US" dirty="0" err="1" smtClean="0"/>
+              <a:rPr lang="en-US" dirty="0" err="1"/>
               <a:t>Logols</a:t>
             </a:r>
             <a:r>
-              <a:rPr lang="en-US" dirty="0" smtClean="0"/>
+              <a:rPr lang="en-US" dirty="0"/>
               <a:t> Learning</a:t>
             </a:r>
-            <a:endParaRPr lang="en-US" dirty="0"/>
           </a:p>
         </p:txBody>
       </p:sp>
@@ -7638,7 +7526,7 @@
           </a:p>
           <a:p>
             <a:r>
-              <a:rPr lang="en-US" dirty="0" smtClean="0">
+              <a:rPr lang="en-US" dirty="0">
                 <a:solidFill>
                   <a:schemeClr val="bg2">
                     <a:lumMod val="40000"/>
@@ -7648,14 +7536,6 @@
               </a:rPr>
               <a:t>Welcome!</a:t>
             </a:r>
-            <a:endParaRPr lang="en-US" dirty="0">
-              <a:solidFill>
-                <a:schemeClr val="bg2">
-                  <a:lumMod val="40000"/>
-                  <a:lumOff val="60000"/>
-                </a:schemeClr>
-              </a:solidFill>
-            </a:endParaRPr>
           </a:p>
         </p:txBody>
       </p:sp>
@@ -7669,13 +7549,6 @@
   <p:clrMapOvr>
     <a:masterClrMapping/>
   </p:clrMapOvr>
-  <p:timing>
-    <p:tnLst>
-      <p:par>
-        <p:cTn id="1" dur="indefinite" restart="never" nodeType="tmRoot"/>
-      </p:par>
-    </p:tnLst>
-  </p:timing>
 </p:sld>
 </file>
 
@@ -7712,10 +7585,9 @@
           <a:lstStyle/>
           <a:p>
             <a:r>
-              <a:rPr lang="en-US" dirty="0" smtClean="0"/>
+              <a:rPr lang="en-US" dirty="0"/>
               <a:t>Structure</a:t>
             </a:r>
-            <a:endParaRPr lang="en-US" dirty="0"/>
           </a:p>
         </p:txBody>
       </p:sp>
@@ -7737,40 +7609,39 @@
           <a:lstStyle/>
           <a:p>
             <a:r>
-              <a:rPr lang="en-US" sz="2800" dirty="0" smtClean="0"/>
+              <a:rPr lang="en-US" sz="2800" dirty="0"/>
               <a:t>Instructor Lead</a:t>
             </a:r>
           </a:p>
           <a:p>
             <a:r>
-              <a:rPr lang="en-US" sz="2800" dirty="0" smtClean="0"/>
+              <a:rPr lang="en-US" sz="2800" dirty="0"/>
               <a:t>Examples</a:t>
             </a:r>
           </a:p>
           <a:p>
             <a:r>
-              <a:rPr lang="en-US" sz="2800" dirty="0" smtClean="0"/>
+              <a:rPr lang="en-US" sz="2800" dirty="0"/>
               <a:t>Individual Exercises</a:t>
             </a:r>
           </a:p>
           <a:p>
             <a:r>
-              <a:rPr lang="en-US" sz="2800" dirty="0" smtClean="0"/>
+              <a:rPr lang="en-US" sz="2800" dirty="0"/>
               <a:t>Team Project</a:t>
             </a:r>
           </a:p>
           <a:p>
             <a:r>
-              <a:rPr lang="en-US" sz="2800" dirty="0" smtClean="0"/>
+              <a:rPr lang="en-US" sz="2800" dirty="0"/>
               <a:t>Review</a:t>
             </a:r>
           </a:p>
           <a:p>
             <a:r>
-              <a:rPr lang="en-US" sz="2800" dirty="0" smtClean="0"/>
+              <a:rPr lang="en-US" sz="2800" dirty="0"/>
               <a:t>Presentations</a:t>
             </a:r>
-            <a:endParaRPr lang="en-US" sz="2800" dirty="0"/>
           </a:p>
         </p:txBody>
       </p:sp>
@@ -7813,13 +7684,6 @@
   <p:clrMapOvr>
     <a:masterClrMapping/>
   </p:clrMapOvr>
-  <p:timing>
-    <p:tnLst>
-      <p:par>
-        <p:cTn id="1" dur="indefinite" restart="never" nodeType="tmRoot"/>
-      </p:par>
-    </p:tnLst>
-  </p:timing>
 </p:sld>
 </file>
 
@@ -7856,10 +7720,9 @@
           <a:lstStyle/>
           <a:p>
             <a:r>
-              <a:rPr lang="en-US" dirty="0" smtClean="0"/>
+              <a:rPr lang="en-US" dirty="0"/>
               <a:t>Goals</a:t>
             </a:r>
-            <a:endParaRPr lang="en-US" dirty="0"/>
           </a:p>
         </p:txBody>
       </p:sp>
@@ -7881,43 +7744,43 @@
           <a:lstStyle/>
           <a:p>
             <a:r>
-              <a:rPr lang="en-US" sz="2800" dirty="0" smtClean="0"/>
+              <a:rPr lang="en-US" sz="2800" dirty="0"/>
               <a:t>General Understanding</a:t>
             </a:r>
           </a:p>
           <a:p>
             <a:pPr lvl="1"/>
             <a:r>
-              <a:rPr lang="en-US" sz="2800" dirty="0" smtClean="0"/>
+              <a:rPr lang="en-US" sz="2800" dirty="0"/>
               <a:t>UI – HTML, CSS, Angular</a:t>
             </a:r>
           </a:p>
           <a:p>
             <a:pPr lvl="1"/>
             <a:r>
-              <a:rPr lang="en-US" sz="2800" dirty="0" smtClean="0"/>
+              <a:rPr lang="en-US" sz="2800" dirty="0"/>
               <a:t>Server Side – C#, </a:t>
             </a:r>
             <a:r>
-              <a:rPr lang="en-US" sz="2800" dirty="0" err="1" smtClean="0"/>
+              <a:rPr lang="en-US" sz="2800" dirty="0" err="1"/>
               <a:t>.Net</a:t>
             </a:r>
             <a:r>
-              <a:rPr lang="en-US" sz="2800" dirty="0" smtClean="0"/>
+              <a:rPr lang="en-US" sz="2800" dirty="0"/>
               <a:t> Framework, OOP</a:t>
             </a:r>
           </a:p>
           <a:p>
             <a:pPr lvl="1"/>
             <a:r>
-              <a:rPr lang="en-US" sz="2800" dirty="0" smtClean="0"/>
+              <a:rPr lang="en-US" sz="2800" dirty="0"/>
               <a:t>Database – </a:t>
             </a:r>
             <a:r>
-              <a:rPr lang="en-US" sz="2800" dirty="0" err="1" smtClean="0"/>
+              <a:rPr lang="en-US" sz="2800" dirty="0" err="1"/>
               <a:t>MySql</a:t>
             </a:r>
-            <a:endParaRPr lang="en-US" sz="2800" dirty="0" smtClean="0"/>
+            <a:endParaRPr lang="en-US" sz="2800" dirty="0"/>
           </a:p>
         </p:txBody>
       </p:sp>
@@ -7942,7 +7805,7 @@
           <a:lstStyle/>
           <a:p>
             <a:r>
-              <a:rPr lang="en-US" sz="2800" dirty="0" smtClean="0"/>
+              <a:rPr lang="en-US" sz="2800" dirty="0"/>
               <a:t>Follow Clean Architecture:</a:t>
             </a:r>
           </a:p>
@@ -8041,10 +7904,9 @@
           <a:lstStyle/>
           <a:p>
             <a:r>
-              <a:rPr lang="en-US" dirty="0" smtClean="0"/>
+              <a:rPr lang="en-US" dirty="0"/>
               <a:t>Expectations</a:t>
             </a:r>
-            <a:endParaRPr lang="en-US" dirty="0"/>
           </a:p>
         </p:txBody>
       </p:sp>
@@ -8071,43 +7933,43 @@
           <a:lstStyle/>
           <a:p>
             <a:r>
-              <a:rPr lang="en-US" sz="2800" dirty="0" smtClean="0"/>
+              <a:rPr lang="en-US" sz="2800" dirty="0"/>
               <a:t>This is not Easy</a:t>
             </a:r>
           </a:p>
           <a:p>
             <a:r>
-              <a:rPr lang="en-US" sz="2800" dirty="0" smtClean="0"/>
+              <a:rPr lang="en-US" sz="2800" dirty="0"/>
               <a:t>Everyone Struggles</a:t>
             </a:r>
           </a:p>
           <a:p>
             <a:r>
-              <a:rPr lang="en-US" sz="2800" dirty="0" smtClean="0"/>
+              <a:rPr lang="en-US" sz="2800" dirty="0"/>
               <a:t>It Takes Time and Patience</a:t>
             </a:r>
           </a:p>
           <a:p>
             <a:r>
-              <a:rPr lang="en-US" sz="2800" dirty="0" smtClean="0"/>
+              <a:rPr lang="en-US" sz="2800" dirty="0"/>
               <a:t>You will need more Training</a:t>
             </a:r>
           </a:p>
           <a:p>
             <a:r>
-              <a:rPr lang="en-US" sz="2800" dirty="0" smtClean="0"/>
+              <a:rPr lang="en-US" sz="2800" dirty="0"/>
               <a:t>Respect Each Other</a:t>
             </a:r>
           </a:p>
           <a:p>
             <a:r>
-              <a:rPr lang="en-US" sz="2800" dirty="0" smtClean="0"/>
+              <a:rPr lang="en-US" sz="2800" dirty="0"/>
               <a:t>Help Each Other</a:t>
             </a:r>
           </a:p>
           <a:p>
             <a:r>
-              <a:rPr lang="en-US" sz="2800" dirty="0" smtClean="0"/>
+              <a:rPr lang="en-US" sz="2800" dirty="0"/>
               <a:t>Make this a Safe Place</a:t>
             </a:r>
           </a:p>
@@ -8152,13 +8014,6 @@
   <p:clrMapOvr>
     <a:masterClrMapping/>
   </p:clrMapOvr>
-  <p:timing>
-    <p:tnLst>
-      <p:par>
-        <p:cTn id="1" dur="indefinite" restart="never" nodeType="tmRoot"/>
-      </p:par>
-    </p:tnLst>
-  </p:timing>
 </p:sld>
 </file>
 
@@ -8195,10 +8050,9 @@
           <a:lstStyle/>
           <a:p>
             <a:r>
-              <a:rPr lang="en-US" dirty="0" smtClean="0"/>
+              <a:rPr lang="en-US" dirty="0"/>
               <a:t>Tools</a:t>
             </a:r>
-            <a:endParaRPr lang="en-US" dirty="0"/>
           </a:p>
         </p:txBody>
       </p:sp>
@@ -8225,64 +8079,60 @@
           <a:lstStyle/>
           <a:p>
             <a:r>
-              <a:rPr lang="en-US" sz="2800" dirty="0" smtClean="0"/>
+              <a:rPr lang="en-US" sz="2800" dirty="0"/>
               <a:t>Google Classroom</a:t>
             </a:r>
           </a:p>
           <a:p>
             <a:r>
-              <a:rPr lang="en-US" sz="2800" dirty="0" err="1" smtClean="0"/>
+              <a:rPr lang="en-US" sz="2800" dirty="0" err="1"/>
               <a:t>Github</a:t>
             </a:r>
-            <a:endParaRPr lang="en-US" sz="2800" dirty="0" smtClean="0"/>
-          </a:p>
-          <a:p>
-            <a:r>
-              <a:rPr lang="en-US" sz="2800" dirty="0" smtClean="0"/>
+            <a:endParaRPr lang="en-US" sz="2800" dirty="0"/>
+          </a:p>
+          <a:p>
+            <a:r>
+              <a:rPr lang="en-US" sz="2800" dirty="0"/>
               <a:t>Facebook</a:t>
             </a:r>
           </a:p>
           <a:p>
             <a:r>
-              <a:rPr lang="en-US" sz="2800" dirty="0" smtClean="0"/>
-              <a:t>Visual </a:t>
-            </a:r>
-            <a:r>
-              <a:rPr lang="en-US" sz="2800" dirty="0" smtClean="0"/>
-              <a:t>Studio Code</a:t>
-            </a:r>
-          </a:p>
-          <a:p>
-            <a:r>
-              <a:rPr lang="en-US" sz="2800" dirty="0" err="1" smtClean="0"/>
+              <a:rPr lang="en-US" sz="2800" dirty="0"/>
+              <a:t>Visual Studio Code</a:t>
+            </a:r>
+          </a:p>
+          <a:p>
+            <a:r>
+              <a:rPr lang="en-US" sz="2800" dirty="0" err="1"/>
               <a:t>.Net</a:t>
             </a:r>
             <a:r>
-              <a:rPr lang="en-US" sz="2800" dirty="0" smtClean="0"/>
+              <a:rPr lang="en-US" sz="2800" dirty="0"/>
               <a:t> Core 2.0</a:t>
             </a:r>
           </a:p>
           <a:p>
             <a:r>
-              <a:rPr lang="en-US" sz="2800" dirty="0" err="1" smtClean="0"/>
+              <a:rPr lang="en-US" sz="2800" dirty="0" err="1"/>
               <a:t>MySql</a:t>
             </a:r>
             <a:r>
-              <a:rPr lang="en-US" sz="2800" dirty="0" smtClean="0"/>
+              <a:rPr lang="en-US" sz="2800" dirty="0"/>
               <a:t> &amp; </a:t>
             </a:r>
             <a:r>
-              <a:rPr lang="en-US" sz="2800" dirty="0" err="1" smtClean="0"/>
+              <a:rPr lang="en-US" sz="2800" dirty="0" err="1"/>
               <a:t>MySql</a:t>
             </a:r>
             <a:r>
-              <a:rPr lang="en-US" sz="2800" dirty="0" smtClean="0"/>
+              <a:rPr lang="en-US" sz="2800" dirty="0"/>
               <a:t> Workbench</a:t>
             </a:r>
           </a:p>
           <a:p>
             <a:r>
-              <a:rPr lang="en-US" sz="2800" dirty="0" smtClean="0"/>
+              <a:rPr lang="en-US" sz="2800" dirty="0"/>
               <a:t>Angular</a:t>
             </a:r>
           </a:p>
@@ -8327,13 +8177,6 @@
   <p:clrMapOvr>
     <a:masterClrMapping/>
   </p:clrMapOvr>
-  <p:timing>
-    <p:tnLst>
-      <p:par>
-        <p:cTn id="1" dur="indefinite" restart="never" nodeType="tmRoot"/>
-      </p:par>
-    </p:tnLst>
-  </p:timing>
 </p:sld>
 </file>
 
@@ -8370,10 +8213,9 @@
           <a:lstStyle/>
           <a:p>
             <a:r>
-              <a:rPr lang="en-US" dirty="0" smtClean="0"/>
+              <a:rPr lang="en-US" dirty="0"/>
               <a:t>Your Mission - Exercises</a:t>
             </a:r>
-            <a:endParaRPr lang="en-US" dirty="0"/>
           </a:p>
         </p:txBody>
       </p:sp>
@@ -8395,22 +8237,21 @@
           <a:lstStyle/>
           <a:p>
             <a:r>
-              <a:rPr lang="en-US" sz="2800" dirty="0" smtClean="0"/>
+              <a:rPr lang="en-US" sz="2800" dirty="0"/>
               <a:t>It is the zombie apocalypse.</a:t>
             </a:r>
           </a:p>
           <a:p>
             <a:r>
-              <a:rPr lang="en-US" sz="2800" dirty="0" smtClean="0"/>
+              <a:rPr lang="en-US" sz="2800" dirty="0"/>
               <a:t>All the programmers are zombies or dead.</a:t>
             </a:r>
           </a:p>
           <a:p>
             <a:r>
-              <a:rPr lang="en-US" sz="2800" dirty="0" smtClean="0"/>
+              <a:rPr lang="en-US" sz="2800" dirty="0"/>
               <a:t>The newly formed government has recruited you to learn programming and help save the world!</a:t>
             </a:r>
-            <a:endParaRPr lang="en-US" sz="2800" dirty="0"/>
           </a:p>
         </p:txBody>
       </p:sp>
@@ -8489,10 +8330,9 @@
           <a:lstStyle/>
           <a:p>
             <a:r>
-              <a:rPr lang="en-US" dirty="0" smtClean="0"/>
+              <a:rPr lang="en-US" dirty="0"/>
               <a:t>My Mission - Examples</a:t>
             </a:r>
-            <a:endParaRPr lang="en-US" dirty="0"/>
           </a:p>
         </p:txBody>
       </p:sp>
@@ -8514,22 +8354,22 @@
           <a:lstStyle/>
           <a:p>
             <a:r>
-              <a:rPr lang="en-US" sz="2800" dirty="0" smtClean="0"/>
+              <a:rPr lang="en-US" sz="2800" dirty="0"/>
               <a:t>Build a time machine.</a:t>
             </a:r>
           </a:p>
           <a:p>
             <a:r>
-              <a:rPr lang="en-US" sz="2800" dirty="0" smtClean="0"/>
+              <a:rPr lang="en-US" sz="2800" dirty="0"/>
               <a:t>Travel back to before the Zombie apocalypse.</a:t>
             </a:r>
           </a:p>
           <a:p>
             <a:r>
-              <a:rPr lang="en-US" sz="2800" dirty="0" smtClean="0"/>
+              <a:rPr lang="en-US" sz="2800" dirty="0"/>
               <a:t>Find out how it starts and stop it from occurring.</a:t>
             </a:r>
-            <a:endParaRPr lang="en-US" sz="2600" dirty="0" smtClean="0"/>
+            <a:endParaRPr lang="en-US" sz="2600" dirty="0"/>
           </a:p>
         </p:txBody>
       </p:sp>
@@ -8572,92 +8412,6 @@
   <p:clrMapOvr>
     <a:masterClrMapping/>
   </p:clrMapOvr>
-</p:sld>
-</file>
-
-<file path=ppt/slides/slide8.xml><?xml version="1.0" encoding="utf-8"?>
-<p:sld xmlns:a="http://schemas.openxmlformats.org/drawingml/2006/main" xmlns:r="http://schemas.openxmlformats.org/officeDocument/2006/relationships" xmlns:p="http://schemas.openxmlformats.org/presentationml/2006/main">
-  <p:cSld>
-    <p:spTree>
-      <p:nvGrpSpPr>
-        <p:cNvPr id="1" name=""/>
-        <p:cNvGrpSpPr/>
-        <p:nvPr/>
-      </p:nvGrpSpPr>
-      <p:grpSpPr>
-        <a:xfrm>
-          <a:off x="0" y="0"/>
-          <a:ext cx="0" cy="0"/>
-          <a:chOff x="0" y="0"/>
-          <a:chExt cx="0" cy="0"/>
-        </a:xfrm>
-      </p:grpSpPr>
-      <p:sp>
-        <p:nvSpPr>
-          <p:cNvPr id="2" name="Title 1"/>
-          <p:cNvSpPr>
-            <a:spLocks noGrp="1"/>
-          </p:cNvSpPr>
-          <p:nvPr>
-            <p:ph type="ctrTitle"/>
-          </p:nvPr>
-        </p:nvSpPr>
-        <p:spPr/>
-        <p:txBody>
-          <a:bodyPr/>
-          <a:lstStyle/>
-          <a:p>
-            <a:r>
-              <a:rPr lang="en-US" dirty="0" smtClean="0"/>
-              <a:t>GET TO KNOW</a:t>
-            </a:r>
-            <a:endParaRPr lang="en-US" dirty="0"/>
-          </a:p>
-        </p:txBody>
-      </p:sp>
-      <p:sp>
-        <p:nvSpPr>
-          <p:cNvPr id="3" name="Subtitle 2"/>
-          <p:cNvSpPr>
-            <a:spLocks noGrp="1"/>
-          </p:cNvSpPr>
-          <p:nvPr>
-            <p:ph type="subTitle" idx="1"/>
-          </p:nvPr>
-        </p:nvSpPr>
-        <p:spPr/>
-        <p:txBody>
-          <a:bodyPr/>
-          <a:lstStyle/>
-          <a:p>
-            <a:endParaRPr lang="en-US" dirty="0">
-              <a:solidFill>
-                <a:schemeClr val="bg2">
-                  <a:lumMod val="40000"/>
-                  <a:lumOff val="60000"/>
-                </a:schemeClr>
-              </a:solidFill>
-            </a:endParaRPr>
-          </a:p>
-        </p:txBody>
-      </p:sp>
-    </p:spTree>
-    <p:extLst>
-      <p:ext uri="{BB962C8B-B14F-4D97-AF65-F5344CB8AC3E}">
-        <p14:creationId xmlns:p14="http://schemas.microsoft.com/office/powerpoint/2010/main" val="3416633171"/>
-      </p:ext>
-    </p:extLst>
-  </p:cSld>
-  <p:clrMapOvr>
-    <a:masterClrMapping/>
-  </p:clrMapOvr>
-  <p:timing>
-    <p:tnLst>
-      <p:par>
-        <p:cTn id="1" dur="indefinite" restart="never" nodeType="tmRoot"/>
-      </p:par>
-    </p:tnLst>
-  </p:timing>
 </p:sld>
 </file>
 
